--- a/model/素材/2.1.1_基本戦略.pptx
+++ b/model/素材/2.1.1_基本戦略.pptx
@@ -104,6 +104,11 @@
       </a:defRPr>
     </a:lvl9pPr>
   </p:defaultTextStyle>
+  <p:extLst>
+    <p:ext uri="{EFAFB233-063F-42B5-8137-9DF3F51BA10A}">
+      <p15:sldGuideLst xmlns:p15="http://schemas.microsoft.com/office/powerpoint/2012/main"/>
+    </p:ext>
+  </p:extLst>
 </p:presentation>
 </file>
 
@@ -254,7 +259,7 @@
           <a:p>
             <a:fld id="{51E7F2AC-F81A-400C-8051-E3A918425226}" type="datetimeFigureOut">
               <a:rPr kumimoji="1" lang="ja-JP" altLang="en-US" smtClean="0"/>
-              <a:t>2025/8/1</a:t>
+              <a:t>2025/8/11</a:t>
             </a:fld>
             <a:endParaRPr kumimoji="1" lang="ja-JP" altLang="en-US"/>
           </a:p>
@@ -484,7 +489,7 @@
           <a:p>
             <a:fld id="{51E7F2AC-F81A-400C-8051-E3A918425226}" type="datetimeFigureOut">
               <a:rPr kumimoji="1" lang="ja-JP" altLang="en-US" smtClean="0"/>
-              <a:t>2025/8/1</a:t>
+              <a:t>2025/8/11</a:t>
             </a:fld>
             <a:endParaRPr kumimoji="1" lang="ja-JP" altLang="en-US"/>
           </a:p>
@@ -724,7 +729,7 @@
           <a:p>
             <a:fld id="{51E7F2AC-F81A-400C-8051-E3A918425226}" type="datetimeFigureOut">
               <a:rPr kumimoji="1" lang="ja-JP" altLang="en-US" smtClean="0"/>
-              <a:t>2025/8/1</a:t>
+              <a:t>2025/8/11</a:t>
             </a:fld>
             <a:endParaRPr kumimoji="1" lang="ja-JP" altLang="en-US"/>
           </a:p>
@@ -954,7 +959,7 @@
           <a:p>
             <a:fld id="{51E7F2AC-F81A-400C-8051-E3A918425226}" type="datetimeFigureOut">
               <a:rPr kumimoji="1" lang="ja-JP" altLang="en-US" smtClean="0"/>
-              <a:t>2025/8/1</a:t>
+              <a:t>2025/8/11</a:t>
             </a:fld>
             <a:endParaRPr kumimoji="1" lang="ja-JP" altLang="en-US"/>
           </a:p>
@@ -1229,7 +1234,7 @@
           <a:p>
             <a:fld id="{51E7F2AC-F81A-400C-8051-E3A918425226}" type="datetimeFigureOut">
               <a:rPr kumimoji="1" lang="ja-JP" altLang="en-US" smtClean="0"/>
-              <a:t>2025/8/1</a:t>
+              <a:t>2025/8/11</a:t>
             </a:fld>
             <a:endParaRPr kumimoji="1" lang="ja-JP" altLang="en-US"/>
           </a:p>
@@ -1558,7 +1563,7 @@
           <a:p>
             <a:fld id="{51E7F2AC-F81A-400C-8051-E3A918425226}" type="datetimeFigureOut">
               <a:rPr kumimoji="1" lang="ja-JP" altLang="en-US" smtClean="0"/>
-              <a:t>2025/8/1</a:t>
+              <a:t>2025/8/11</a:t>
             </a:fld>
             <a:endParaRPr kumimoji="1" lang="ja-JP" altLang="en-US"/>
           </a:p>
@@ -2034,7 +2039,7 @@
           <a:p>
             <a:fld id="{51E7F2AC-F81A-400C-8051-E3A918425226}" type="datetimeFigureOut">
               <a:rPr kumimoji="1" lang="ja-JP" altLang="en-US" smtClean="0"/>
-              <a:t>2025/8/1</a:t>
+              <a:t>2025/8/11</a:t>
             </a:fld>
             <a:endParaRPr kumimoji="1" lang="ja-JP" altLang="en-US"/>
           </a:p>
@@ -2175,7 +2180,7 @@
           <a:p>
             <a:fld id="{51E7F2AC-F81A-400C-8051-E3A918425226}" type="datetimeFigureOut">
               <a:rPr kumimoji="1" lang="ja-JP" altLang="en-US" smtClean="0"/>
-              <a:t>2025/8/1</a:t>
+              <a:t>2025/8/11</a:t>
             </a:fld>
             <a:endParaRPr kumimoji="1" lang="ja-JP" altLang="en-US"/>
           </a:p>
@@ -2288,7 +2293,7 @@
           <a:p>
             <a:fld id="{51E7F2AC-F81A-400C-8051-E3A918425226}" type="datetimeFigureOut">
               <a:rPr kumimoji="1" lang="ja-JP" altLang="en-US" smtClean="0"/>
-              <a:t>2025/8/1</a:t>
+              <a:t>2025/8/11</a:t>
             </a:fld>
             <a:endParaRPr kumimoji="1" lang="ja-JP" altLang="en-US"/>
           </a:p>
@@ -2631,7 +2636,7 @@
           <a:p>
             <a:fld id="{51E7F2AC-F81A-400C-8051-E3A918425226}" type="datetimeFigureOut">
               <a:rPr kumimoji="1" lang="ja-JP" altLang="en-US" smtClean="0"/>
-              <a:t>2025/8/1</a:t>
+              <a:t>2025/8/11</a:t>
             </a:fld>
             <a:endParaRPr kumimoji="1" lang="ja-JP" altLang="en-US"/>
           </a:p>
@@ -2919,7 +2924,7 @@
           <a:p>
             <a:fld id="{51E7F2AC-F81A-400C-8051-E3A918425226}" type="datetimeFigureOut">
               <a:rPr kumimoji="1" lang="ja-JP" altLang="en-US" smtClean="0"/>
-              <a:t>2025/8/1</a:t>
+              <a:t>2025/8/11</a:t>
             </a:fld>
             <a:endParaRPr kumimoji="1" lang="ja-JP" altLang="en-US"/>
           </a:p>
@@ -3192,7 +3197,7 @@
           <a:p>
             <a:fld id="{51E7F2AC-F81A-400C-8051-E3A918425226}" type="datetimeFigureOut">
               <a:rPr kumimoji="1" lang="ja-JP" altLang="en-US" smtClean="0"/>
-              <a:t>2025/8/1</a:t>
+              <a:t>2025/8/11</a:t>
             </a:fld>
             <a:endParaRPr kumimoji="1" lang="ja-JP" altLang="en-US"/>
           </a:p>
@@ -3661,7 +3666,7 @@
           <a:prstGeom prst="straightConnector1">
             <a:avLst/>
           </a:prstGeom>
-          <a:ln w="57150">
+          <a:ln w="76200">
             <a:solidFill>
               <a:srgbClr val="FF0000"/>
             </a:solidFill>
@@ -3705,7 +3710,7 @@
           <a:prstGeom prst="straightConnector1">
             <a:avLst/>
           </a:prstGeom>
-          <a:ln w="57150">
+          <a:ln w="76200">
             <a:solidFill>
               <a:schemeClr val="accent1"/>
             </a:solidFill>
@@ -3749,7 +3754,7 @@
           <a:prstGeom prst="straightConnector1">
             <a:avLst/>
           </a:prstGeom>
-          <a:ln w="57150">
+          <a:ln w="76200">
             <a:solidFill>
               <a:schemeClr val="accent4"/>
             </a:solidFill>
@@ -3795,7 +3800,7 @@
               <a:gd name="adj2" fmla="val 4332621"/>
             </a:avLst>
           </a:prstGeom>
-          <a:ln w="57150">
+          <a:ln w="76200">
             <a:solidFill>
               <a:srgbClr val="FFC000"/>
             </a:solidFill>
@@ -3840,8 +3845,8 @@
         </p:nvSpPr>
         <p:spPr>
           <a:xfrm>
-            <a:off x="3672640" y="3846574"/>
-            <a:ext cx="361950" cy="369332"/>
+            <a:off x="2815695" y="3856543"/>
+            <a:ext cx="529496" cy="769441"/>
           </a:xfrm>
           <a:prstGeom prst="rect">
             <a:avLst/>
@@ -3855,7 +3860,7 @@
           <a:lstStyle/>
           <a:p>
             <a:r>
-              <a:rPr kumimoji="1" lang="ja-JP" altLang="en-US" b="1" dirty="0">
+              <a:rPr kumimoji="1" lang="ja-JP" altLang="en-US" sz="4400" b="1" dirty="0">
                 <a:solidFill>
                   <a:srgbClr val="FF0000"/>
                 </a:solidFill>
@@ -3879,8 +3884,8 @@
         </p:nvSpPr>
         <p:spPr>
           <a:xfrm>
-            <a:off x="3672640" y="3304989"/>
-            <a:ext cx="361950" cy="369332"/>
+            <a:off x="2827978" y="3087102"/>
+            <a:ext cx="361950" cy="769441"/>
           </a:xfrm>
           <a:prstGeom prst="rect">
             <a:avLst/>
@@ -3894,14 +3899,14 @@
           <a:lstStyle/>
           <a:p>
             <a:r>
-              <a:rPr lang="ja-JP" altLang="en-US" b="1" dirty="0">
+              <a:rPr lang="ja-JP" altLang="en-US" sz="4400" b="1" dirty="0">
                 <a:solidFill>
                   <a:srgbClr val="0070C0"/>
                 </a:solidFill>
               </a:rPr>
               <a:t>②</a:t>
             </a:r>
-            <a:endParaRPr kumimoji="1" lang="ja-JP" altLang="en-US" b="1" dirty="0">
+            <a:endParaRPr kumimoji="1" lang="ja-JP" altLang="en-US" sz="4400" b="1" dirty="0">
               <a:solidFill>
                 <a:srgbClr val="0070C0"/>
               </a:solidFill>
@@ -3923,8 +3928,8 @@
         </p:nvSpPr>
         <p:spPr>
           <a:xfrm>
-            <a:off x="4296528" y="2262001"/>
-            <a:ext cx="361950" cy="369332"/>
+            <a:off x="4099511" y="1306499"/>
+            <a:ext cx="361950" cy="769441"/>
           </a:xfrm>
           <a:prstGeom prst="rect">
             <a:avLst/>
@@ -3938,14 +3943,14 @@
           <a:lstStyle/>
           <a:p>
             <a:r>
-              <a:rPr lang="ja-JP" altLang="en-US" b="1" dirty="0">
+              <a:rPr lang="ja-JP" altLang="en-US" sz="4400" b="1" dirty="0">
                 <a:solidFill>
                   <a:schemeClr val="accent4"/>
                 </a:solidFill>
               </a:rPr>
               <a:t>③</a:t>
             </a:r>
-            <a:endParaRPr kumimoji="1" lang="ja-JP" altLang="en-US" b="1" dirty="0">
+            <a:endParaRPr kumimoji="1" lang="ja-JP" altLang="en-US" sz="4400" b="1" dirty="0">
               <a:solidFill>
                 <a:schemeClr val="accent4"/>
               </a:solidFill>
